--- a/Presentation_Nhom1.pptx
+++ b/Presentation_Nhom1.pptx
@@ -15,25 +15,27 @@
     <p:sldId id="364" r:id="rId8"/>
     <p:sldId id="365" r:id="rId9"/>
     <p:sldId id="366" r:id="rId10"/>
-    <p:sldId id="290" r:id="rId11"/>
+    <p:sldId id="369" r:id="rId11"/>
+    <p:sldId id="368" r:id="rId12"/>
+    <p:sldId id="290" r:id="rId13"/>
   </p:sldIdLst>
   <p:sldSz cx="12192000" cy="6858000"/>
   <p:notesSz cx="6858000" cy="9144000"/>
   <p:embeddedFontLst>
     <p:embeddedFont>
       <p:font typeface="SimSun" panose="02010600030101010101" pitchFamily="2" charset="-122"/>
-      <p:regular r:id="rId15"/>
+      <p:regular r:id="rId17"/>
     </p:embeddedFont>
     <p:embeddedFont>
       <p:font typeface="SimHei" panose="02010609060101010101" pitchFamily="49" charset="-122"/>
-      <p:regular r:id="rId16"/>
+      <p:regular r:id="rId18"/>
     </p:embeddedFont>
     <p:embeddedFont>
       <p:font typeface="Calibri" panose="020F0502020204030204" charset="0"/>
-      <p:regular r:id="rId17"/>
-      <p:bold r:id="rId18"/>
-      <p:italic r:id="rId19"/>
-      <p:boldItalic r:id="rId20"/>
+      <p:regular r:id="rId19"/>
+      <p:bold r:id="rId20"/>
+      <p:italic r:id="rId21"/>
+      <p:boldItalic r:id="rId22"/>
     </p:embeddedFont>
   </p:embeddedFontLst>
   <p:defaultTextStyle>
@@ -575,6 +577,84 @@
 </p:notes>
 </file>
 
+<file path=ppt/notesSlides/notesSlide10.xml><?xml version="1.0" encoding="utf-8"?>
+<p:notes xmlns:a="http://schemas.openxmlformats.org/drawingml/2006/main" xmlns:r="http://schemas.openxmlformats.org/officeDocument/2006/relationships" xmlns:p="http://schemas.openxmlformats.org/presentationml/2006/main">
+  <p:cSld>
+    <p:spTree>
+      <p:nvGrpSpPr>
+        <p:cNvPr id="1" name=""/>
+        <p:cNvGrpSpPr/>
+        <p:nvPr/>
+      </p:nvGrpSpPr>
+      <p:grpSpPr>
+        <a:xfrm>
+          <a:off x="0" y="0"/>
+          <a:ext cx="0" cy="0"/>
+          <a:chOff x="0" y="0"/>
+          <a:chExt cx="0" cy="0"/>
+        </a:xfrm>
+      </p:grpSpPr>
+      <p:sp>
+        <p:nvSpPr>
+          <p:cNvPr id="2" name="幻灯片图像占位符 1"/>
+          <p:cNvSpPr>
+            <a:spLocks noGrp="1" noRot="1" noChangeAspect="1"/>
+          </p:cNvSpPr>
+          <p:nvPr>
+            <p:ph type="sldImg"/>
+          </p:nvPr>
+        </p:nvSpPr>
+        <p:spPr/>
+      </p:sp>
+      <p:sp>
+        <p:nvSpPr>
+          <p:cNvPr id="3" name="备注占位符 2"/>
+          <p:cNvSpPr>
+            <a:spLocks noGrp="1"/>
+          </p:cNvSpPr>
+          <p:nvPr>
+            <p:ph type="body" idx="1"/>
+          </p:nvPr>
+        </p:nvSpPr>
+        <p:spPr/>
+        <p:txBody>
+          <a:bodyPr/>
+          <a:lstStyle/>
+          <a:p>
+            <a:endParaRPr lang="zh-CN" altLang="en-US" dirty="0"/>
+          </a:p>
+        </p:txBody>
+      </p:sp>
+      <p:sp>
+        <p:nvSpPr>
+          <p:cNvPr id="4" name="灯片编号占位符 3"/>
+          <p:cNvSpPr>
+            <a:spLocks noGrp="1"/>
+          </p:cNvSpPr>
+          <p:nvPr>
+            <p:ph type="sldNum" sz="quarter" idx="10"/>
+          </p:nvPr>
+        </p:nvSpPr>
+        <p:spPr/>
+        <p:txBody>
+          <a:bodyPr/>
+          <a:lstStyle/>
+          <a:p>
+            <a:fld id="{1724BC44-1EBD-43C8-8BE0-85DCF486BB98}" type="slidenum">
+              <a:rPr lang="zh-CN" altLang="en-US" smtClean="0"/>
+            </a:fld>
+            <a:endParaRPr lang="zh-CN" altLang="en-US"/>
+          </a:p>
+        </p:txBody>
+      </p:sp>
+    </p:spTree>
+  </p:cSld>
+  <p:clrMapOvr>
+    <a:masterClrMapping/>
+  </p:clrMapOvr>
+</p:notes>
+</file>
+
 <file path=ppt/notesSlides/notesSlide2.xml><?xml version="1.0" encoding="utf-8"?>
 <p:notes xmlns:a="http://schemas.openxmlformats.org/drawingml/2006/main" xmlns:r="http://schemas.openxmlformats.org/officeDocument/2006/relationships" xmlns:p="http://schemas.openxmlformats.org/presentationml/2006/main">
   <p:cSld>
@@ -1087,7 +1167,85 @@
           <a:bodyPr/>
           <a:lstStyle/>
           <a:p>
-            <a:endParaRPr lang="zh-CN" altLang="en-US" dirty="0"/>
+            <a:endParaRPr lang="zh-CN" altLang="en-US"/>
+          </a:p>
+        </p:txBody>
+      </p:sp>
+      <p:sp>
+        <p:nvSpPr>
+          <p:cNvPr id="4" name="灯片编号占位符 3"/>
+          <p:cNvSpPr>
+            <a:spLocks noGrp="1"/>
+          </p:cNvSpPr>
+          <p:nvPr>
+            <p:ph type="sldNum" sz="quarter" idx="10"/>
+          </p:nvPr>
+        </p:nvSpPr>
+        <p:spPr/>
+        <p:txBody>
+          <a:bodyPr/>
+          <a:lstStyle/>
+          <a:p>
+            <a:fld id="{1724BC44-1EBD-43C8-8BE0-85DCF486BB98}" type="slidenum">
+              <a:rPr lang="zh-CN" altLang="en-US" smtClean="0"/>
+            </a:fld>
+            <a:endParaRPr lang="zh-CN" altLang="en-US"/>
+          </a:p>
+        </p:txBody>
+      </p:sp>
+    </p:spTree>
+  </p:cSld>
+  <p:clrMapOvr>
+    <a:masterClrMapping/>
+  </p:clrMapOvr>
+</p:notes>
+</file>
+
+<file path=ppt/notesSlides/notesSlide9.xml><?xml version="1.0" encoding="utf-8"?>
+<p:notes xmlns:a="http://schemas.openxmlformats.org/drawingml/2006/main" xmlns:r="http://schemas.openxmlformats.org/officeDocument/2006/relationships" xmlns:p="http://schemas.openxmlformats.org/presentationml/2006/main">
+  <p:cSld>
+    <p:spTree>
+      <p:nvGrpSpPr>
+        <p:cNvPr id="1" name=""/>
+        <p:cNvGrpSpPr/>
+        <p:nvPr/>
+      </p:nvGrpSpPr>
+      <p:grpSpPr>
+        <a:xfrm>
+          <a:off x="0" y="0"/>
+          <a:ext cx="0" cy="0"/>
+          <a:chOff x="0" y="0"/>
+          <a:chExt cx="0" cy="0"/>
+        </a:xfrm>
+      </p:grpSpPr>
+      <p:sp>
+        <p:nvSpPr>
+          <p:cNvPr id="2" name="幻灯片图像占位符 1"/>
+          <p:cNvSpPr>
+            <a:spLocks noGrp="1" noRot="1" noChangeAspect="1"/>
+          </p:cNvSpPr>
+          <p:nvPr>
+            <p:ph type="sldImg"/>
+          </p:nvPr>
+        </p:nvSpPr>
+        <p:spPr/>
+      </p:sp>
+      <p:sp>
+        <p:nvSpPr>
+          <p:cNvPr id="3" name="备注占位符 2"/>
+          <p:cNvSpPr>
+            <a:spLocks noGrp="1"/>
+          </p:cNvSpPr>
+          <p:nvPr>
+            <p:ph type="body" idx="1"/>
+          </p:nvPr>
+        </p:nvSpPr>
+        <p:spPr/>
+        <p:txBody>
+          <a:bodyPr/>
+          <a:lstStyle/>
+          <a:p>
+            <a:endParaRPr lang="zh-CN" altLang="en-US"/>
           </a:p>
         </p:txBody>
       </p:sp>
@@ -8661,6 +8819,82 @@
   <p:clrMapOvr>
     <a:masterClrMapping/>
   </p:clrMapOvr>
+  <p:timing>
+    <p:tnLst>
+      <p:par>
+        <p:cTn id="1" dur="indefinite" restart="never" nodeType="tmRoot"/>
+      </p:par>
+    </p:tnLst>
+  </p:timing>
+</p:sld>
+</file>
+
+<file path=ppt/slides/slide10.xml><?xml version="1.0" encoding="utf-8"?>
+<p:sld xmlns:a="http://schemas.openxmlformats.org/drawingml/2006/main" xmlns:r="http://schemas.openxmlformats.org/officeDocument/2006/relationships" xmlns:p="http://schemas.openxmlformats.org/presentationml/2006/main">
+  <p:cSld>
+    <p:spTree>
+      <p:nvGrpSpPr>
+        <p:cNvPr id="1" name=""/>
+        <p:cNvGrpSpPr/>
+        <p:nvPr/>
+      </p:nvGrpSpPr>
+      <p:grpSpPr>
+        <a:xfrm>
+          <a:off x="0" y="0"/>
+          <a:ext cx="0" cy="0"/>
+          <a:chOff x="0" y="0"/>
+          <a:chExt cx="0" cy="0"/>
+        </a:xfrm>
+      </p:grpSpPr>
+      <p:sp>
+        <p:nvSpPr>
+          <p:cNvPr id="2" name="标题 1"/>
+          <p:cNvSpPr>
+            <a:spLocks noGrp="1"/>
+          </p:cNvSpPr>
+          <p:nvPr>
+            <p:ph type="title"/>
+            <p:custDataLst>
+              <p:tags r:id="rId1"/>
+            </p:custDataLst>
+          </p:nvPr>
+        </p:nvSpPr>
+        <p:spPr/>
+        <p:txBody>
+          <a:bodyPr>
+            <a:noAutofit/>
+          </a:bodyPr>
+          <a:lstStyle/>
+          <a:p>
+            <a:pPr algn="ctr"/>
+            <a:r>
+              <a:rPr lang="en-US" altLang="zh-CN" sz="4800" b="1" dirty="0">
+                <a:effectLst/>
+              </a:rPr>
+              <a:t>THANKS FOR WATCHING</a:t>
+            </a:r>
+            <a:endParaRPr lang="en-US" altLang="zh-CN" sz="4800" b="1" dirty="0">
+              <a:effectLst/>
+            </a:endParaRPr>
+          </a:p>
+        </p:txBody>
+      </p:sp>
+    </p:spTree>
+    <p:custDataLst>
+      <p:tags r:id="rId2"/>
+    </p:custDataLst>
+  </p:cSld>
+  <p:clrMapOvr>
+    <a:masterClrMapping/>
+  </p:clrMapOvr>
+  <mc:AlternateContent xmlns:mc="http://schemas.openxmlformats.org/markup-compatibility/2006">
+    <mc:Choice xmlns:p14="http://schemas.microsoft.com/office/powerpoint/2010/main" Requires="p14">
+      <p:transition spd="slow" p14:dur="2000"/>
+    </mc:Choice>
+    <mc:Fallback>
+      <p:transition spd="slow"/>
+    </mc:Fallback>
+  </mc:AlternateContent>
   <p:timing>
     <p:tnLst>
       <p:par>
@@ -10985,7 +11219,7 @@
             <a:pPr algn="ctr"/>
             <a:r>
               <a:rPr lang="en-US"/>
-              <a:t>4</a:t>
+              <a:t>3</a:t>
             </a:r>
             <a:endParaRPr lang="en-US"/>
           </a:p>
@@ -11014,15 +11248,44 @@
           <a:p>
             <a:r>
               <a:rPr lang="en-US"/>
-              <a:t>DEMO</a:t>
+              <a:t>Chức năng</a:t>
             </a:r>
             <a:endParaRPr lang="en-US"/>
           </a:p>
         </p:txBody>
       </p:sp>
+      <p:pic>
+        <p:nvPicPr>
+          <p:cNvPr id="4" name="Picture 4" descr="usecase"/>
+          <p:cNvPicPr>
+            <a:picLocks noChangeAspect="1"/>
+          </p:cNvPicPr>
+          <p:nvPr/>
+        </p:nvPicPr>
+        <p:blipFill>
+          <a:blip r:embed="rId1"/>
+          <a:stretch>
+            <a:fillRect/>
+          </a:stretch>
+        </p:blipFill>
+        <p:spPr>
+          <a:xfrm>
+            <a:off x="47308" y="1556068"/>
+            <a:ext cx="12121566" cy="4572000"/>
+          </a:xfrm>
+          <a:prstGeom prst="rect">
+            <a:avLst/>
+          </a:prstGeom>
+          <a:ln>
+            <a:solidFill>
+              <a:schemeClr val="tx1"/>
+            </a:solidFill>
+          </a:ln>
+        </p:spPr>
+      </p:pic>
     </p:spTree>
     <p:custDataLst>
-      <p:tags r:id="rId1"/>
+      <p:tags r:id="rId2"/>
     </p:custDataLst>
   </p:cSld>
   <p:clrMapOvr>
@@ -11069,37 +11332,105 @@
       </p:grpSpPr>
       <p:sp>
         <p:nvSpPr>
-          <p:cNvPr id="2" name="标题 1"/>
-          <p:cNvSpPr>
-            <a:spLocks noGrp="1"/>
-          </p:cNvSpPr>
-          <p:nvPr>
-            <p:ph type="title"/>
-            <p:custDataLst>
-              <p:tags r:id="rId1"/>
-            </p:custDataLst>
-          </p:nvPr>
-        </p:nvSpPr>
-        <p:spPr/>
+          <p:cNvPr id="3" name="Oval 2"/>
+          <p:cNvSpPr/>
+          <p:nvPr/>
+        </p:nvSpPr>
+        <p:spPr>
+          <a:xfrm>
+            <a:off x="838835" y="476250"/>
+            <a:ext cx="720090" cy="720090"/>
+          </a:xfrm>
+          <a:prstGeom prst="ellipse">
+            <a:avLst/>
+          </a:prstGeom>
+        </p:spPr>
+        <p:style>
+          <a:lnRef idx="2">
+            <a:schemeClr val="accent1">
+              <a:lumMod val="75000"/>
+            </a:schemeClr>
+          </a:lnRef>
+          <a:fillRef idx="1">
+            <a:schemeClr val="accent1"/>
+          </a:fillRef>
+          <a:effectRef idx="0">
+            <a:srgbClr val="FFFFFF"/>
+          </a:effectRef>
+          <a:fontRef idx="minor">
+            <a:schemeClr val="lt1"/>
+          </a:fontRef>
+        </p:style>
         <p:txBody>
-          <a:bodyPr>
+          <a:bodyPr rtlCol="0" anchor="ctr"/>
+          <a:p>
+            <a:pPr algn="ctr"/>
+            <a:r>
+              <a:rPr lang="en-US"/>
+              <a:t>3</a:t>
+            </a:r>
+            <a:endParaRPr lang="en-US"/>
+          </a:p>
+        </p:txBody>
+      </p:sp>
+      <p:sp>
+        <p:nvSpPr>
+          <p:cNvPr id="5" name="Text Box 4"/>
+          <p:cNvSpPr txBox="1"/>
+          <p:nvPr/>
+        </p:nvSpPr>
+        <p:spPr>
+          <a:xfrm>
+            <a:off x="1775460" y="588645"/>
+            <a:ext cx="4146550" cy="607695"/>
+          </a:xfrm>
+          <a:prstGeom prst="rect">
+            <a:avLst/>
+          </a:prstGeom>
+          <a:noFill/>
+        </p:spPr>
+        <p:txBody>
+          <a:bodyPr wrap="square" rtlCol="0">
             <a:noAutofit/>
           </a:bodyPr>
-          <a:lstStyle/>
-          <a:p>
-            <a:pPr algn="ctr"/>
+          <a:p>
             <a:r>
-              <a:rPr lang="en-US" altLang="zh-CN" sz="4800" b="1" dirty="0">
-                <a:effectLst/>
-              </a:rPr>
-              <a:t>THANKS FOR WATCHING</a:t>
+              <a:rPr lang="en-US"/>
+              <a:t>Chức năng</a:t>
             </a:r>
-            <a:endParaRPr lang="en-US" altLang="zh-CN" sz="4800" b="1" dirty="0">
-              <a:effectLst/>
-            </a:endParaRPr>
+            <a:endParaRPr lang="en-US"/>
           </a:p>
         </p:txBody>
       </p:sp>
+      <p:pic>
+        <p:nvPicPr>
+          <p:cNvPr id="2" name="Picture 5" descr="usecase (1)"/>
+          <p:cNvPicPr>
+            <a:picLocks noChangeAspect="1"/>
+          </p:cNvPicPr>
+          <p:nvPr/>
+        </p:nvPicPr>
+        <p:blipFill>
+          <a:blip r:embed="rId1"/>
+          <a:stretch>
+            <a:fillRect/>
+          </a:stretch>
+        </p:blipFill>
+        <p:spPr>
+          <a:xfrm>
+            <a:off x="1127125" y="1268413"/>
+            <a:ext cx="10020895" cy="5486400"/>
+          </a:xfrm>
+          <a:prstGeom prst="rect">
+            <a:avLst/>
+          </a:prstGeom>
+          <a:ln>
+            <a:solidFill>
+              <a:schemeClr val="tx1"/>
+            </a:solidFill>
+          </a:ln>
+        </p:spPr>
+      </p:pic>
     </p:spTree>
     <p:custDataLst>
       <p:tags r:id="rId2"/>
@@ -11110,10 +11441,133 @@
   </p:clrMapOvr>
   <mc:AlternateContent xmlns:mc="http://schemas.openxmlformats.org/markup-compatibility/2006">
     <mc:Choice xmlns:p14="http://schemas.microsoft.com/office/powerpoint/2010/main" Requires="p14">
-      <p:transition spd="slow" p14:dur="2000"/>
+      <p:transition spd="slow" p14:dur="1000">
+        <p:wedge/>
+      </p:transition>
     </mc:Choice>
     <mc:Fallback>
-      <p:transition spd="slow"/>
+      <p:transition spd="slow">
+        <p:wedge/>
+      </p:transition>
+    </mc:Fallback>
+  </mc:AlternateContent>
+  <p:timing>
+    <p:tnLst>
+      <p:par>
+        <p:cTn id="1" dur="indefinite" restart="never" nodeType="tmRoot"/>
+      </p:par>
+    </p:tnLst>
+  </p:timing>
+</p:sld>
+</file>
+
+<file path=ppt/slides/slide9.xml><?xml version="1.0" encoding="utf-8"?>
+<p:sld xmlns:a="http://schemas.openxmlformats.org/drawingml/2006/main" xmlns:r="http://schemas.openxmlformats.org/officeDocument/2006/relationships" xmlns:p="http://schemas.openxmlformats.org/presentationml/2006/main">
+  <p:cSld>
+    <p:spTree>
+      <p:nvGrpSpPr>
+        <p:cNvPr id="1" name=""/>
+        <p:cNvGrpSpPr/>
+        <p:nvPr/>
+      </p:nvGrpSpPr>
+      <p:grpSpPr>
+        <a:xfrm>
+          <a:off x="0" y="0"/>
+          <a:ext cx="0" cy="0"/>
+          <a:chOff x="0" y="0"/>
+          <a:chExt cx="0" cy="0"/>
+        </a:xfrm>
+      </p:grpSpPr>
+      <p:sp>
+        <p:nvSpPr>
+          <p:cNvPr id="3" name="Oval 2"/>
+          <p:cNvSpPr/>
+          <p:nvPr/>
+        </p:nvSpPr>
+        <p:spPr>
+          <a:xfrm>
+            <a:off x="838835" y="476250"/>
+            <a:ext cx="720090" cy="720090"/>
+          </a:xfrm>
+          <a:prstGeom prst="ellipse">
+            <a:avLst/>
+          </a:prstGeom>
+        </p:spPr>
+        <p:style>
+          <a:lnRef idx="2">
+            <a:schemeClr val="accent1">
+              <a:lumMod val="75000"/>
+            </a:schemeClr>
+          </a:lnRef>
+          <a:fillRef idx="1">
+            <a:schemeClr val="accent1"/>
+          </a:fillRef>
+          <a:effectRef idx="0">
+            <a:srgbClr val="FFFFFF"/>
+          </a:effectRef>
+          <a:fontRef idx="minor">
+            <a:schemeClr val="lt1"/>
+          </a:fontRef>
+        </p:style>
+        <p:txBody>
+          <a:bodyPr rtlCol="0" anchor="ctr"/>
+          <a:p>
+            <a:pPr algn="ctr"/>
+            <a:r>
+              <a:rPr lang="en-US"/>
+              <a:t>4</a:t>
+            </a:r>
+            <a:endParaRPr lang="en-US"/>
+          </a:p>
+        </p:txBody>
+      </p:sp>
+      <p:sp>
+        <p:nvSpPr>
+          <p:cNvPr id="5" name="Text Box 4"/>
+          <p:cNvSpPr txBox="1"/>
+          <p:nvPr/>
+        </p:nvSpPr>
+        <p:spPr>
+          <a:xfrm>
+            <a:off x="1775460" y="588645"/>
+            <a:ext cx="4146550" cy="607695"/>
+          </a:xfrm>
+          <a:prstGeom prst="rect">
+            <a:avLst/>
+          </a:prstGeom>
+          <a:noFill/>
+        </p:spPr>
+        <p:txBody>
+          <a:bodyPr wrap="square" rtlCol="0">
+            <a:noAutofit/>
+          </a:bodyPr>
+          <a:p>
+            <a:r>
+              <a:rPr lang="en-US"/>
+              <a:t>DEMO</a:t>
+            </a:r>
+            <a:endParaRPr lang="en-US"/>
+          </a:p>
+        </p:txBody>
+      </p:sp>
+    </p:spTree>
+    <p:custDataLst>
+      <p:tags r:id="rId1"/>
+    </p:custDataLst>
+  </p:cSld>
+  <p:clrMapOvr>
+    <a:masterClrMapping/>
+  </p:clrMapOvr>
+  <mc:AlternateContent xmlns:mc="http://schemas.openxmlformats.org/markup-compatibility/2006">
+    <mc:Choice xmlns:p14="http://schemas.microsoft.com/office/powerpoint/2010/main" Requires="p14">
+      <p:transition spd="slow" p14:dur="1000">
+        <p:wedge/>
+      </p:transition>
+    </mc:Choice>
+    <mc:Fallback>
+      <p:transition spd="slow">
+        <p:wedge/>
+      </p:transition>
     </mc:Fallback>
   </mc:AlternateContent>
   <p:timing>
@@ -11204,6 +11658,40 @@
 
 <file path=ppt/tags/tag14.xml><?xml version="1.0" encoding="utf-8"?>
 <p:tagLst xmlns:p="http://schemas.openxmlformats.org/presentationml/2006/main">
+  <p:tag name="KSO_WM_TEMPLATE_CATEGORY" val="custom"/>
+  <p:tag name="KSO_WM_TEMPLATE_INDEX" val="160326"/>
+  <p:tag name="KSO_WM_TAG_VERSION" val="1.0"/>
+  <p:tag name="KSO_WM_SLIDE_ID" val="custom160326_2"/>
+  <p:tag name="KSO_WM_SLIDE_INDEX" val="2"/>
+  <p:tag name="KSO_WM_SLIDE_ITEM_CNT" val="1"/>
+  <p:tag name="KSO_WM_SLIDE_LAYOUT" val="a_f"/>
+  <p:tag name="KSO_WM_SLIDE_LAYOUT_CNT" val="1_1"/>
+  <p:tag name="KSO_WM_SLIDE_TYPE" val="text"/>
+  <p:tag name="KSO_WM_BEAUTIFY_FLAG" val="#wm#"/>
+  <p:tag name="KSO_WM_SLIDE_POSITION" val="66*144"/>
+  <p:tag name="KSO_WM_SLIDE_SIZE" val="828*343"/>
+</p:tagLst>
+</file>
+
+<file path=ppt/tags/tag15.xml><?xml version="1.0" encoding="utf-8"?>
+<p:tagLst xmlns:p="http://schemas.openxmlformats.org/presentationml/2006/main">
+  <p:tag name="KSO_WM_TEMPLATE_CATEGORY" val="custom"/>
+  <p:tag name="KSO_WM_TEMPLATE_INDEX" val="160326"/>
+  <p:tag name="KSO_WM_TAG_VERSION" val="1.0"/>
+  <p:tag name="KSO_WM_SLIDE_ID" val="custom160326_2"/>
+  <p:tag name="KSO_WM_SLIDE_INDEX" val="2"/>
+  <p:tag name="KSO_WM_SLIDE_ITEM_CNT" val="1"/>
+  <p:tag name="KSO_WM_SLIDE_LAYOUT" val="a_f"/>
+  <p:tag name="KSO_WM_SLIDE_LAYOUT_CNT" val="1_1"/>
+  <p:tag name="KSO_WM_SLIDE_TYPE" val="text"/>
+  <p:tag name="KSO_WM_BEAUTIFY_FLAG" val="#wm#"/>
+  <p:tag name="KSO_WM_SLIDE_POSITION" val="66*144"/>
+  <p:tag name="KSO_WM_SLIDE_SIZE" val="828*343"/>
+</p:tagLst>
+</file>
+
+<file path=ppt/tags/tag16.xml><?xml version="1.0" encoding="utf-8"?>
+<p:tagLst xmlns:p="http://schemas.openxmlformats.org/presentationml/2006/main">
   <p:tag name="KSO_WM_TAG_VERSION" val="1.0"/>
   <p:tag name="KSO_WM_BEAUTIFY_FLAG" val="#wm#"/>
   <p:tag name="KSO_WM_TEMPLATE_CATEGORY" val="custom"/>
@@ -11221,7 +11709,7 @@
 </p:tagLst>
 </file>
 
-<file path=ppt/tags/tag15.xml><?xml version="1.0" encoding="utf-8"?>
+<file path=ppt/tags/tag17.xml><?xml version="1.0" encoding="utf-8"?>
 <p:tagLst xmlns:p="http://schemas.openxmlformats.org/presentationml/2006/main">
   <p:tag name="KSO_WM_TEMPLATE_CATEGORY" val="custom"/>
   <p:tag name="KSO_WM_TEMPLATE_INDEX" val="160326"/>
